--- a/03.Testing.pptx
+++ b/03.Testing.pptx
@@ -208,7 +208,7 @@
           <a:p>
             <a:fld id="{15F9F04A-72C5-624E-9E17-BAF774BDCC12}" type="datetimeFigureOut">
               <a:rPr lang="en-US" smtClean="0"/>
-              <a:t>9/12/20</a:t>
+              <a:t>10/10/20</a:t>
             </a:fld>
             <a:endParaRPr/>
           </a:p>
@@ -667,7 +667,7 @@
           <a:p>
             <a:fld id="{4509A250-FF31-4206-8172-F9D3106AACB1}" type="datetimeFigureOut">
               <a:rPr lang="en-US" smtClean="0"/>
-              <a:t>9/12/20</a:t>
+              <a:t>10/10/20</a:t>
             </a:fld>
             <a:endParaRPr lang="en-US" dirty="0"/>
           </a:p>
@@ -953,7 +953,7 @@
           <a:p>
             <a:fld id="{4509A250-FF31-4206-8172-F9D3106AACB1}" type="datetimeFigureOut">
               <a:rPr lang="en-US" smtClean="0"/>
-              <a:t>9/12/20</a:t>
+              <a:t>10/10/20</a:t>
             </a:fld>
             <a:endParaRPr lang="en-US" dirty="0"/>
           </a:p>
@@ -1211,7 +1211,7 @@
           <a:p>
             <a:fld id="{4AAD347D-5ACD-4C99-B74B-A9C85AD731AF}" type="datetimeFigureOut">
               <a:rPr lang="en-US" smtClean="0"/>
-              <a:t>9/12/20</a:t>
+              <a:t>10/10/20</a:t>
             </a:fld>
             <a:endParaRPr lang="en-US" dirty="0"/>
           </a:p>
@@ -1680,7 +1680,7 @@
           <a:p>
             <a:fld id="{4AAD347D-5ACD-4C99-B74B-A9C85AD731AF}" type="datetimeFigureOut">
               <a:rPr lang="en-US" smtClean="0"/>
-              <a:t>9/12/20</a:t>
+              <a:t>10/10/20</a:t>
             </a:fld>
             <a:endParaRPr lang="en-US" dirty="0"/>
           </a:p>
@@ -1860,7 +1860,7 @@
           <a:p>
             <a:fld id="{4509A250-FF31-4206-8172-F9D3106AACB1}" type="datetimeFigureOut">
               <a:rPr lang="en-US" smtClean="0"/>
-              <a:t>9/12/20</a:t>
+              <a:t>10/10/20</a:t>
             </a:fld>
             <a:endParaRPr lang="en-US" dirty="0"/>
           </a:p>
@@ -2435,7 +2435,7 @@
           <a:p>
             <a:fld id="{4AAD347D-5ACD-4C99-B74B-A9C85AD731AF}" type="datetimeFigureOut">
               <a:rPr lang="en-US" smtClean="0"/>
-              <a:t>9/12/20</a:t>
+              <a:t>10/10/20</a:t>
             </a:fld>
             <a:endParaRPr lang="en-US" dirty="0"/>
           </a:p>
@@ -2767,7 +2767,7 @@
           <a:p>
             <a:fld id="{4AAD347D-5ACD-4C99-B74B-A9C85AD731AF}" type="datetimeFigureOut">
               <a:rPr lang="en-US" smtClean="0"/>
-              <a:t>9/12/20</a:t>
+              <a:t>10/10/20</a:t>
             </a:fld>
             <a:endParaRPr lang="en-US" dirty="0"/>
           </a:p>
@@ -2941,7 +2941,7 @@
           <a:p>
             <a:fld id="{4509A250-FF31-4206-8172-F9D3106AACB1}" type="datetimeFigureOut">
               <a:rPr lang="en-US" smtClean="0"/>
-              <a:t>9/12/20</a:t>
+              <a:t>10/10/20</a:t>
             </a:fld>
             <a:endParaRPr lang="en-US" dirty="0"/>
           </a:p>
@@ -3119,7 +3119,7 @@
           <a:p>
             <a:fld id="{4509A250-FF31-4206-8172-F9D3106AACB1}" type="datetimeFigureOut">
               <a:rPr lang="en-US" smtClean="0"/>
-              <a:t>9/12/20</a:t>
+              <a:t>10/10/20</a:t>
             </a:fld>
             <a:endParaRPr lang="en-US" dirty="0"/>
           </a:p>
@@ -3391,7 +3391,7 @@
           <a:p>
             <a:fld id="{4AAD347D-5ACD-4C99-B74B-A9C85AD731AF}" type="datetimeFigureOut">
               <a:rPr lang="en-US" smtClean="0"/>
-              <a:t>9/12/20</a:t>
+              <a:t>10/10/20</a:t>
             </a:fld>
             <a:endParaRPr lang="en-US" dirty="0"/>
           </a:p>
@@ -3647,7 +3647,7 @@
           <a:p>
             <a:fld id="{9796027F-7875-4030-9381-8BD8C4F21935}" type="datetimeFigureOut">
               <a:rPr lang="en-US" smtClean="0"/>
-              <a:t>9/12/20</a:t>
+              <a:t>10/10/20</a:t>
             </a:fld>
             <a:endParaRPr lang="en-US" dirty="0"/>
           </a:p>
@@ -3871,7 +3871,7 @@
           <a:p>
             <a:fld id="{4AAD347D-5ACD-4C99-B74B-A9C85AD731AF}" type="datetimeFigureOut">
               <a:rPr lang="en-US" smtClean="0"/>
-              <a:t>9/12/20</a:t>
+              <a:t>10/10/20</a:t>
             </a:fld>
             <a:endParaRPr lang="en-US" dirty="0"/>
           </a:p>
@@ -3988,7 +3988,7 @@
           <a:p>
             <a:fld id="{4509A250-FF31-4206-8172-F9D3106AACB1}" type="datetimeFigureOut">
               <a:rPr lang="en-US" smtClean="0"/>
-              <a:t>9/12/20</a:t>
+              <a:t>10/10/20</a:t>
             </a:fld>
             <a:endParaRPr lang="en-US" dirty="0"/>
           </a:p>
@@ -4167,7 +4167,7 @@
           <a:p>
             <a:fld id="{4509A250-FF31-4206-8172-F9D3106AACB1}" type="datetimeFigureOut">
               <a:rPr lang="en-US" smtClean="0"/>
-              <a:t>9/12/20</a:t>
+              <a:t>10/10/20</a:t>
             </a:fld>
             <a:endParaRPr lang="en-US" dirty="0"/>
           </a:p>
@@ -4742,7 +4742,7 @@
           <a:p>
             <a:fld id="{4AAD347D-5ACD-4C99-B74B-A9C85AD731AF}" type="datetimeFigureOut">
               <a:rPr lang="en-US" smtClean="0"/>
-              <a:t>9/12/20</a:t>
+              <a:t>10/10/20</a:t>
             </a:fld>
             <a:endParaRPr lang="en-US" dirty="0"/>
           </a:p>
@@ -5074,7 +5074,7 @@
           <a:p>
             <a:fld id="{4AAD347D-5ACD-4C99-B74B-A9C85AD731AF}" type="datetimeFigureOut">
               <a:rPr lang="en-US" smtClean="0"/>
-              <a:t>9/12/20</a:t>
+              <a:t>10/10/20</a:t>
             </a:fld>
             <a:endParaRPr lang="en-US" dirty="0"/>
           </a:p>
@@ -5331,7 +5331,7 @@
           <a:p>
             <a:fld id="{9796027F-7875-4030-9381-8BD8C4F21935}" type="datetimeFigureOut">
               <a:rPr lang="en-US" smtClean="0"/>
-              <a:t>9/12/20</a:t>
+              <a:t>10/10/20</a:t>
             </a:fld>
             <a:endParaRPr lang="en-US" dirty="0"/>
           </a:p>
@@ -5620,7 +5620,7 @@
           <a:p>
             <a:fld id="{9796027F-7875-4030-9381-8BD8C4F21935}" type="datetimeFigureOut">
               <a:rPr lang="en-US" smtClean="0"/>
-              <a:t>9/12/20</a:t>
+              <a:t>10/10/20</a:t>
             </a:fld>
             <a:endParaRPr lang="en-US" dirty="0"/>
           </a:p>
@@ -6047,7 +6047,7 @@
           <a:p>
             <a:fld id="{9796027F-7875-4030-9381-8BD8C4F21935}" type="datetimeFigureOut">
               <a:rPr lang="en-US" smtClean="0"/>
-              <a:t>9/12/20</a:t>
+              <a:t>10/10/20</a:t>
             </a:fld>
             <a:endParaRPr lang="en-US" dirty="0"/>
           </a:p>
@@ -6164,7 +6164,7 @@
           <a:p>
             <a:fld id="{4509A250-FF31-4206-8172-F9D3106AACB1}" type="datetimeFigureOut">
               <a:rPr lang="en-US" smtClean="0"/>
-              <a:t>9/12/20</a:t>
+              <a:t>10/10/20</a:t>
             </a:fld>
             <a:endParaRPr lang="en-US" dirty="0"/>
           </a:p>
@@ -6259,7 +6259,7 @@
           <a:p>
             <a:fld id="{4509A250-FF31-4206-8172-F9D3106AACB1}" type="datetimeFigureOut">
               <a:rPr lang="en-US" smtClean="0"/>
-              <a:t>9/12/20</a:t>
+              <a:t>10/10/20</a:t>
             </a:fld>
             <a:endParaRPr lang="en-US" dirty="0"/>
           </a:p>
@@ -6540,7 +6540,7 @@
           <a:p>
             <a:fld id="{4509A250-FF31-4206-8172-F9D3106AACB1}" type="datetimeFigureOut">
               <a:rPr lang="en-US" smtClean="0"/>
-              <a:t>9/12/20</a:t>
+              <a:t>10/10/20</a:t>
             </a:fld>
             <a:endParaRPr lang="en-US" dirty="0"/>
           </a:p>
@@ -6826,7 +6826,7 @@
           <a:p>
             <a:fld id="{4509A250-FF31-4206-8172-F9D3106AACB1}" type="datetimeFigureOut">
               <a:rPr lang="en-US" smtClean="0"/>
-              <a:t>9/12/20</a:t>
+              <a:t>10/10/20</a:t>
             </a:fld>
             <a:endParaRPr lang="en-US" dirty="0"/>
           </a:p>
@@ -6950,7 +6950,7 @@
           <a:graphicData uri="http://schemas.openxmlformats.org/presentationml/2006/ole">
             <mc:AlternateContent xmlns:mc="http://schemas.openxmlformats.org/markup-compatibility/2006">
               <mc:Choice xmlns:v="urn:schemas-microsoft-com:vml" Requires="v">
-                <p:oleObj spid="_x0000_s1026" name="think-cell Slide" r:id="rId22" imgW="7772400" imgH="10058400" progId="TCLayout.ActiveDocument.1">
+                <p:oleObj spid="_x0000_s1027" name="think-cell Slide" r:id="rId22" imgW="7772400" imgH="10058400" progId="TCLayout.ActiveDocument.1">
                   <p:embed/>
                 </p:oleObj>
               </mc:Choice>
@@ -7205,7 +7205,7 @@
           <a:p>
             <a:fld id="{4AAD347D-5ACD-4C99-B74B-A9C85AD731AF}" type="datetimeFigureOut">
               <a:rPr lang="en-US" smtClean="0"/>
-              <a:t>9/12/20</a:t>
+              <a:t>10/10/20</a:t>
             </a:fld>
             <a:endParaRPr lang="en-US" dirty="0"/>
           </a:p>
@@ -8069,7 +8069,7 @@
           <a:graphicData uri="http://schemas.openxmlformats.org/presentationml/2006/ole">
             <mc:AlternateContent xmlns:mc="http://schemas.openxmlformats.org/markup-compatibility/2006">
               <mc:Choice xmlns:v="urn:schemas-microsoft-com:vml" Requires="v">
-                <p:oleObj spid="_x0000_s2050" name="think-cell Slide" r:id="rId11" imgW="7772400" imgH="10058400" progId="TCLayout.ActiveDocument.1">
+                <p:oleObj spid="_x0000_s2051" name="think-cell Slide" r:id="rId11" imgW="7772400" imgH="10058400" progId="TCLayout.ActiveDocument.1">
                   <p:embed/>
                 </p:oleObj>
               </mc:Choice>
@@ -8324,7 +8324,7 @@
           <a:p>
             <a:fld id="{4AAD347D-5ACD-4C99-B74B-A9C85AD731AF}" type="datetimeFigureOut">
               <a:rPr lang="en-US" smtClean="0"/>
-              <a:t>9/12/20</a:t>
+              <a:t>10/10/20</a:t>
             </a:fld>
             <a:endParaRPr lang="en-US" dirty="0"/>
           </a:p>
@@ -9230,7 +9230,7 @@
           <a:graphicData uri="http://schemas.openxmlformats.org/presentationml/2006/ole">
             <mc:AlternateContent xmlns:mc="http://schemas.openxmlformats.org/markup-compatibility/2006">
               <mc:Choice xmlns:v="urn:schemas-microsoft-com:vml" Requires="v">
-                <p:oleObj spid="_x0000_s3074" name="think-cell Slide" r:id="rId5" imgW="7772400" imgH="10058400" progId="TCLayout.ActiveDocument.1">
+                <p:oleObj spid="_x0000_s3075" name="think-cell Slide" r:id="rId5" imgW="7772400" imgH="10058400" progId="TCLayout.ActiveDocument.1">
                   <p:embed/>
                 </p:oleObj>
               </mc:Choice>
@@ -9389,7 +9389,7 @@
           <a:graphicData uri="http://schemas.openxmlformats.org/presentationml/2006/ole">
             <mc:AlternateContent xmlns:mc="http://schemas.openxmlformats.org/markup-compatibility/2006">
               <mc:Choice xmlns:v="urn:schemas-microsoft-com:vml" Requires="v">
-                <p:oleObj spid="_x0000_s4098" name="think-cell Slide" r:id="rId5" imgW="7772400" imgH="10058400" progId="TCLayout.ActiveDocument.1">
+                <p:oleObj spid="_x0000_s4099" name="think-cell Slide" r:id="rId5" imgW="7772400" imgH="10058400" progId="TCLayout.ActiveDocument.1">
                   <p:embed/>
                 </p:oleObj>
               </mc:Choice>
@@ -9828,7 +9828,7 @@
           <a:graphicData uri="http://schemas.openxmlformats.org/presentationml/2006/ole">
             <mc:AlternateContent xmlns:mc="http://schemas.openxmlformats.org/markup-compatibility/2006">
               <mc:Choice xmlns:v="urn:schemas-microsoft-com:vml" Requires="v">
-                <p:oleObj spid="_x0000_s5122" name="think-cell Slide" r:id="rId5" imgW="7772400" imgH="10058400" progId="TCLayout.ActiveDocument.1">
+                <p:oleObj spid="_x0000_s5123" name="think-cell Slide" r:id="rId5" imgW="7772400" imgH="10058400" progId="TCLayout.ActiveDocument.1">
                   <p:embed/>
                 </p:oleObj>
               </mc:Choice>
@@ -10233,7 +10233,7 @@
           <a:graphicData uri="http://schemas.openxmlformats.org/presentationml/2006/ole">
             <mc:AlternateContent xmlns:mc="http://schemas.openxmlformats.org/markup-compatibility/2006">
               <mc:Choice xmlns:v="urn:schemas-microsoft-com:vml" Requires="v">
-                <p:oleObj spid="_x0000_s6146" name="think-cell Slide" r:id="rId5" imgW="7772400" imgH="10058400" progId="TCLayout.ActiveDocument.1">
+                <p:oleObj spid="_x0000_s6147" name="think-cell Slide" r:id="rId5" imgW="7772400" imgH="10058400" progId="TCLayout.ActiveDocument.1">
                   <p:embed/>
                 </p:oleObj>
               </mc:Choice>
@@ -10489,7 +10489,7 @@
           <a:graphicData uri="http://schemas.openxmlformats.org/presentationml/2006/ole">
             <mc:AlternateContent xmlns:mc="http://schemas.openxmlformats.org/markup-compatibility/2006">
               <mc:Choice xmlns:v="urn:schemas-microsoft-com:vml" Requires="v">
-                <p:oleObj spid="_x0000_s7174" name="think-cell Slide" r:id="rId4" imgW="7772400" imgH="10058400" progId="TCLayout.ActiveDocument.1">
+                <p:oleObj spid="_x0000_s7175" name="think-cell Slide" r:id="rId4" imgW="7772400" imgH="10058400" progId="TCLayout.ActiveDocument.1">
                   <p:embed/>
                 </p:oleObj>
               </mc:Choice>
